--- a/NMC final yr project/G - 2 Review 5 ppt Final.pptx
+++ b/NMC final yr project/G - 2 Review 5 ppt Final.pptx
@@ -232,7 +232,7 @@
           <a:p>
             <a:fld id="{06CBF631-73E7-4523-B3AC-2671E84AB64A}" type="datetimeFigureOut">
               <a:rPr lang="en-IN" smtClean="0"/>
-              <a:t>28-10-2023</a:t>
+              <a:t>20-11-2023</a:t>
             </a:fld>
             <a:endParaRPr lang="en-IN"/>
           </a:p>
@@ -679,7 +679,7 @@
           <a:p>
             <a:fld id="{BE8162A5-DCCA-422B-8806-243543DF3A8C}" type="datetime1">
               <a:rPr lang="en-US" smtClean="0"/>
-              <a:t>10/28/2023</a:t>
+              <a:t>11/20/2023</a:t>
             </a:fld>
             <a:endParaRPr lang="en-US"/>
           </a:p>
@@ -842,7 +842,7 @@
           <a:p>
             <a:fld id="{D3593CC0-7880-499C-B15F-47CE49BD0E42}" type="datetime1">
               <a:rPr lang="en-US" smtClean="0"/>
-              <a:t>10/28/2023</a:t>
+              <a:t>11/20/2023</a:t>
             </a:fld>
             <a:endParaRPr lang="en-US"/>
           </a:p>
@@ -1015,7 +1015,7 @@
           <a:p>
             <a:fld id="{D43C0CCE-3E86-455F-853C-551D94DC4EF1}" type="datetime1">
               <a:rPr lang="en-US" smtClean="0"/>
-              <a:t>10/28/2023</a:t>
+              <a:t>11/20/2023</a:t>
             </a:fld>
             <a:endParaRPr lang="en-US"/>
           </a:p>
@@ -1178,7 +1178,7 @@
           <a:p>
             <a:fld id="{E8FFF587-8012-4544-B513-4159B6113D30}" type="datetime1">
               <a:rPr lang="en-US" smtClean="0"/>
-              <a:t>10/28/2023</a:t>
+              <a:t>11/20/2023</a:t>
             </a:fld>
             <a:endParaRPr lang="en-US"/>
           </a:p>
@@ -1418,7 +1418,7 @@
           <a:p>
             <a:fld id="{AFA329B3-20B2-4688-9E0F-AF04AAA652F8}" type="datetime1">
               <a:rPr lang="en-US" smtClean="0"/>
-              <a:t>10/28/2023</a:t>
+              <a:t>11/20/2023</a:t>
             </a:fld>
             <a:endParaRPr lang="en-US"/>
           </a:p>
@@ -1698,7 +1698,7 @@
           <a:p>
             <a:fld id="{2B274AB4-2468-49AA-9C2A-DE29AAB40E01}" type="datetime1">
               <a:rPr lang="en-US" smtClean="0"/>
-              <a:t>10/28/2023</a:t>
+              <a:t>11/20/2023</a:t>
             </a:fld>
             <a:endParaRPr lang="en-US"/>
           </a:p>
@@ -2112,7 +2112,7 @@
           <a:p>
             <a:fld id="{F91D7844-D28A-4149-9EE4-BFDBFE2E7866}" type="datetime1">
               <a:rPr lang="en-US" smtClean="0"/>
-              <a:t>10/28/2023</a:t>
+              <a:t>11/20/2023</a:t>
             </a:fld>
             <a:endParaRPr lang="en-US"/>
           </a:p>
@@ -2224,7 +2224,7 @@
           <a:p>
             <a:fld id="{3B33D470-629C-4B6F-8239-BCD4C68289CB}" type="datetime1">
               <a:rPr lang="en-US" smtClean="0"/>
-              <a:t>10/28/2023</a:t>
+              <a:t>11/20/2023</a:t>
             </a:fld>
             <a:endParaRPr lang="en-US"/>
           </a:p>
@@ -2314,7 +2314,7 @@
           <a:p>
             <a:fld id="{6C31940C-0B57-4C24-B85E-34CC80D40E95}" type="datetime1">
               <a:rPr lang="en-US" smtClean="0"/>
-              <a:t>10/28/2023</a:t>
+              <a:t>11/20/2023</a:t>
             </a:fld>
             <a:endParaRPr lang="en-US"/>
           </a:p>
@@ -2584,7 +2584,7 @@
           <a:p>
             <a:fld id="{BEBC553C-EE12-4408-9A76-5FF7A26F43E5}" type="datetime1">
               <a:rPr lang="en-US" smtClean="0"/>
-              <a:t>10/28/2023</a:t>
+              <a:t>11/20/2023</a:t>
             </a:fld>
             <a:endParaRPr lang="en-US"/>
           </a:p>
@@ -2831,7 +2831,7 @@
           <a:p>
             <a:fld id="{3F1F4B71-A5E1-431D-BEE5-D609443F7062}" type="datetime1">
               <a:rPr lang="en-US" smtClean="0"/>
-              <a:t>10/28/2023</a:t>
+              <a:t>11/20/2023</a:t>
             </a:fld>
             <a:endParaRPr lang="en-US"/>
           </a:p>
@@ -3037,7 +3037,7 @@
           <a:p>
             <a:fld id="{262BE383-3C76-4C5E-8762-0E90D81660C5}" type="datetime1">
               <a:rPr lang="en-US" smtClean="0"/>
-              <a:t>10/28/2023</a:t>
+              <a:t>11/20/2023</a:t>
             </a:fld>
             <a:endParaRPr lang="en-US"/>
           </a:p>
@@ -3562,7 +3562,7 @@
           <p:nvPr>
             <p:extLst>
               <p:ext uri="{D42A27DB-BD31-4B8C-83A1-F6EECF244321}">
-                <p14:modId xmlns:p14="http://schemas.microsoft.com/office/powerpoint/2010/main" val="1536720234"/>
+                <p14:modId xmlns:p14="http://schemas.microsoft.com/office/powerpoint/2010/main" val="3629235359"/>
               </p:ext>
             </p:extLst>
           </p:nvPr>
@@ -3696,7 +3696,7 @@
                           <a:ea typeface="+mn-ea"/>
                           <a:cs typeface="+mn-cs"/>
                         </a:rPr>
-                        <a:t>Civic complaints registering application for citizens of Rural/Urban areas.</a:t>
+                        <a:t>Civic Complaints Registration Application for Citizens of Rural/Urban Areas.</a:t>
                       </a:r>
                       <a:endParaRPr lang="en-US" sz="2800" b="0" dirty="0">
                         <a:solidFill>
@@ -4099,7 +4099,7 @@
                 <a:latin typeface="Cambria" panose="02040503050406030204" pitchFamily="18" charset="0"/>
                 <a:ea typeface="Cambria" panose="02040503050406030204" pitchFamily="18" charset="0"/>
               </a:rPr>
-              <a:t>Review 4</a:t>
+              <a:t>Review 5</a:t>
             </a:r>
           </a:p>
           <a:p>
@@ -4112,7 +4112,7 @@
                 <a:latin typeface="Cambria" panose="02040503050406030204" pitchFamily="18" charset="0"/>
                 <a:ea typeface="Cambria" panose="02040503050406030204" pitchFamily="18" charset="0"/>
               </a:rPr>
-              <a:t>Date : 28 Oct 2023</a:t>
+              <a:t>Date : 21 Nov 2023</a:t>
             </a:r>
             <a:endParaRPr lang="en-IN" sz="2000" dirty="0">
               <a:latin typeface="Cambria" panose="02040503050406030204" pitchFamily="18" charset="0"/>
@@ -7154,7 +7154,7 @@
                 <a:ea typeface="Times New Roman" panose="02020603050405020304" pitchFamily="18" charset="0"/>
                 <a:cs typeface="Times New Roman" panose="02020603050405020304" pitchFamily="18" charset="0"/>
               </a:rPr>
-              <a:t>Datasets: </a:t>
+              <a:t>Datasets : </a:t>
             </a:r>
             <a:endParaRPr lang="en-IN" sz="1600" dirty="0">
               <a:effectLst/>
@@ -7540,10 +7540,10 @@
       </p:sp>
       <p:pic>
         <p:nvPicPr>
-          <p:cNvPr id="6" name="Picture 5">
+          <p:cNvPr id="7" name="Picture 6">
             <a:extLst>
               <a:ext uri="{FF2B5EF4-FFF2-40B4-BE49-F238E27FC236}">
-                <a16:creationId xmlns:a16="http://schemas.microsoft.com/office/drawing/2014/main" id="{F1470CFB-84CA-3119-069B-7233C844DC8A}"/>
+                <a16:creationId xmlns:a16="http://schemas.microsoft.com/office/drawing/2014/main" id="{EC34E354-662A-4C37-4195-03BBCB6AA302}"/>
               </a:ext>
             </a:extLst>
           </p:cNvPr>
@@ -7553,7 +7553,7 @@
           <p:nvPr/>
         </p:nvPicPr>
         <p:blipFill>
-          <a:blip r:embed="rId3" cstate="print">
+          <a:blip r:embed="rId3">
             <a:extLst>
               <a:ext uri="{28A0092B-C50C-407E-A947-70E740481C1C}">
                 <a14:useLocalDpi xmlns:a14="http://schemas.microsoft.com/office/drawing/2010/main" val="0"/>
@@ -7566,8 +7566,8 @@
         </p:blipFill>
         <p:spPr>
           <a:xfrm>
-            <a:off x="38381" y="629599"/>
-            <a:ext cx="9052200" cy="5105400"/>
+            <a:off x="949215" y="920728"/>
+            <a:ext cx="7245570" cy="4905763"/>
           </a:xfrm>
           <a:prstGeom prst="rect">
             <a:avLst/>
@@ -7783,10 +7783,10 @@
       </p:sp>
       <p:pic>
         <p:nvPicPr>
-          <p:cNvPr id="10" name="Picture 9">
+          <p:cNvPr id="6" name="Picture 5">
             <a:extLst>
               <a:ext uri="{FF2B5EF4-FFF2-40B4-BE49-F238E27FC236}">
-                <a16:creationId xmlns:a16="http://schemas.microsoft.com/office/drawing/2014/main" id="{77332695-BC21-6243-37F8-91FF8D955667}"/>
+                <a16:creationId xmlns:a16="http://schemas.microsoft.com/office/drawing/2014/main" id="{19EBFEC4-31C2-5A3E-C1F4-1F95D1065375}"/>
               </a:ext>
             </a:extLst>
           </p:cNvPr>
@@ -7796,15 +7796,21 @@
           <p:nvPr/>
         </p:nvPicPr>
         <p:blipFill>
-          <a:blip r:embed="rId3"/>
+          <a:blip r:embed="rId3">
+            <a:extLst>
+              <a:ext uri="{28A0092B-C50C-407E-A947-70E740481C1C}">
+                <a14:useLocalDpi xmlns:a14="http://schemas.microsoft.com/office/drawing/2010/main" val="0"/>
+              </a:ext>
+            </a:extLst>
+          </a:blip>
           <a:stretch>
             <a:fillRect/>
           </a:stretch>
         </p:blipFill>
         <p:spPr>
           <a:xfrm>
-            <a:off x="0" y="524829"/>
-            <a:ext cx="9144000" cy="5266371"/>
+            <a:off x="457200" y="706170"/>
+            <a:ext cx="8077201" cy="5181599"/>
           </a:xfrm>
           <a:prstGeom prst="rect">
             <a:avLst/>
@@ -8028,10 +8034,10 @@
       </p:sp>
       <p:pic>
         <p:nvPicPr>
-          <p:cNvPr id="10" name="Picture 9">
+          <p:cNvPr id="6" name="Picture 5">
             <a:extLst>
               <a:ext uri="{FF2B5EF4-FFF2-40B4-BE49-F238E27FC236}">
-                <a16:creationId xmlns:a16="http://schemas.microsoft.com/office/drawing/2014/main" id="{1D664ABE-72E7-157B-AB65-47A7B6A7E931}"/>
+                <a16:creationId xmlns:a16="http://schemas.microsoft.com/office/drawing/2014/main" id="{7822A256-8F03-095D-C423-A033AD76FAE7}"/>
               </a:ext>
             </a:extLst>
           </p:cNvPr>
@@ -8054,8 +8060,8 @@
         </p:blipFill>
         <p:spPr>
           <a:xfrm>
-            <a:off x="0" y="762000"/>
-            <a:ext cx="9144000" cy="5010150"/>
+            <a:off x="0" y="1641323"/>
+            <a:ext cx="9144000" cy="3195624"/>
           </a:xfrm>
           <a:prstGeom prst="rect">
             <a:avLst/>
@@ -8259,10 +8265,10 @@
       </p:sp>
       <p:pic>
         <p:nvPicPr>
-          <p:cNvPr id="5" name="Picture 4">
+          <p:cNvPr id="6" name="Picture 5">
             <a:extLst>
               <a:ext uri="{FF2B5EF4-FFF2-40B4-BE49-F238E27FC236}">
-                <a16:creationId xmlns:a16="http://schemas.microsoft.com/office/drawing/2014/main" id="{E36BE741-8903-6D62-4B56-673B0D5184C7}"/>
+                <a16:creationId xmlns:a16="http://schemas.microsoft.com/office/drawing/2014/main" id="{A97539EC-DB90-4CB8-B1B8-C8A04F4AB06F}"/>
               </a:ext>
             </a:extLst>
           </p:cNvPr>
@@ -8285,8 +8291,8 @@
         </p:blipFill>
         <p:spPr>
           <a:xfrm>
-            <a:off x="0" y="527287"/>
-            <a:ext cx="9144000" cy="5360482"/>
+            <a:off x="574822" y="606066"/>
+            <a:ext cx="7994355" cy="5105395"/>
           </a:xfrm>
           <a:prstGeom prst="rect">
             <a:avLst/>
@@ -8490,10 +8496,10 @@
       </p:sp>
       <p:pic>
         <p:nvPicPr>
-          <p:cNvPr id="10" name="Picture 9">
+          <p:cNvPr id="5" name="Picture 4">
             <a:extLst>
               <a:ext uri="{FF2B5EF4-FFF2-40B4-BE49-F238E27FC236}">
-                <a16:creationId xmlns:a16="http://schemas.microsoft.com/office/drawing/2014/main" id="{0AEAD8D5-33FD-BE37-2B36-B365C0443909}"/>
+                <a16:creationId xmlns:a16="http://schemas.microsoft.com/office/drawing/2014/main" id="{446A9A17-28CB-AB0F-AD40-8ED6C541D800}"/>
               </a:ext>
             </a:extLst>
           </p:cNvPr>
@@ -8516,8 +8522,8 @@
         </p:blipFill>
         <p:spPr>
           <a:xfrm>
-            <a:off x="0" y="1295401"/>
-            <a:ext cx="9144000" cy="3790646"/>
+            <a:off x="0" y="1797169"/>
+            <a:ext cx="9144000" cy="2723189"/>
           </a:xfrm>
           <a:prstGeom prst="rect">
             <a:avLst/>
@@ -9211,10 +9217,10 @@
       </p:sp>
       <p:pic>
         <p:nvPicPr>
-          <p:cNvPr id="5" name="Picture 4">
+          <p:cNvPr id="6" name="Picture 5">
             <a:extLst>
               <a:ext uri="{FF2B5EF4-FFF2-40B4-BE49-F238E27FC236}">
-                <a16:creationId xmlns:a16="http://schemas.microsoft.com/office/drawing/2014/main" id="{22E000E3-3D91-2899-0F6F-984C206DD2FB}"/>
+                <a16:creationId xmlns:a16="http://schemas.microsoft.com/office/drawing/2014/main" id="{D01BC8AB-8892-94BC-A33F-6D50689E2A44}"/>
               </a:ext>
             </a:extLst>
           </p:cNvPr>
@@ -9237,8 +9243,8 @@
         </p:blipFill>
         <p:spPr>
           <a:xfrm>
-            <a:off x="0" y="990600"/>
-            <a:ext cx="9144000" cy="4358808"/>
+            <a:off x="0" y="1143001"/>
+            <a:ext cx="9144000" cy="4015443"/>
           </a:xfrm>
           <a:prstGeom prst="rect">
             <a:avLst/>
@@ -9455,10 +9461,10 @@
       </p:sp>
       <p:pic>
         <p:nvPicPr>
-          <p:cNvPr id="6" name="Picture 5">
+          <p:cNvPr id="5" name="Picture 4">
             <a:extLst>
               <a:ext uri="{FF2B5EF4-FFF2-40B4-BE49-F238E27FC236}">
-                <a16:creationId xmlns:a16="http://schemas.microsoft.com/office/drawing/2014/main" id="{7075270F-1461-DF5B-7AAB-E5E3A5EF03D4}"/>
+                <a16:creationId xmlns:a16="http://schemas.microsoft.com/office/drawing/2014/main" id="{07563829-0ECD-899F-256F-F4D645A3C830}"/>
               </a:ext>
             </a:extLst>
           </p:cNvPr>
@@ -9481,8 +9487,8 @@
         </p:blipFill>
         <p:spPr>
           <a:xfrm>
-            <a:off x="971747" y="547542"/>
-            <a:ext cx="7315199" cy="5354368"/>
+            <a:off x="0" y="589649"/>
+            <a:ext cx="9144000" cy="5298120"/>
           </a:xfrm>
           <a:prstGeom prst="rect">
             <a:avLst/>
@@ -9699,10 +9705,10 @@
       </p:sp>
       <p:pic>
         <p:nvPicPr>
-          <p:cNvPr id="6" name="Picture 5">
+          <p:cNvPr id="5" name="Picture 4">
             <a:extLst>
               <a:ext uri="{FF2B5EF4-FFF2-40B4-BE49-F238E27FC236}">
-                <a16:creationId xmlns:a16="http://schemas.microsoft.com/office/drawing/2014/main" id="{1F47FF99-7866-845E-6E73-4B27613BEB0A}"/>
+                <a16:creationId xmlns:a16="http://schemas.microsoft.com/office/drawing/2014/main" id="{E74C185B-A018-C541-1547-A4B2CE750FB5}"/>
               </a:ext>
             </a:extLst>
           </p:cNvPr>
@@ -9712,15 +9718,21 @@
           <p:nvPr/>
         </p:nvPicPr>
         <p:blipFill>
-          <a:blip r:embed="rId3"/>
+          <a:blip r:embed="rId3">
+            <a:extLst>
+              <a:ext uri="{28A0092B-C50C-407E-A947-70E740481C1C}">
+                <a14:useLocalDpi xmlns:a14="http://schemas.microsoft.com/office/drawing/2010/main" val="0"/>
+              </a:ext>
+            </a:extLst>
+          </a:blip>
           <a:stretch>
             <a:fillRect/>
           </a:stretch>
         </p:blipFill>
         <p:spPr>
           <a:xfrm>
-            <a:off x="0" y="556410"/>
-            <a:ext cx="9144000" cy="5331358"/>
+            <a:off x="1996114" y="603219"/>
+            <a:ext cx="5151771" cy="5715000"/>
           </a:xfrm>
           <a:prstGeom prst="rect">
             <a:avLst/>
@@ -9937,10 +9949,10 @@
       </p:sp>
       <p:pic>
         <p:nvPicPr>
-          <p:cNvPr id="10" name="Picture 9">
+          <p:cNvPr id="5" name="Picture 4">
             <a:extLst>
               <a:ext uri="{FF2B5EF4-FFF2-40B4-BE49-F238E27FC236}">
-                <a16:creationId xmlns:a16="http://schemas.microsoft.com/office/drawing/2014/main" id="{938F9B90-7586-B422-0D0E-356822D31F78}"/>
+                <a16:creationId xmlns:a16="http://schemas.microsoft.com/office/drawing/2014/main" id="{61A61E0A-3029-1088-9B4E-0FF16778B18B}"/>
               </a:ext>
             </a:extLst>
           </p:cNvPr>
@@ -9963,8 +9975,8 @@
         </p:blipFill>
         <p:spPr>
           <a:xfrm>
-            <a:off x="2048079" y="533400"/>
-            <a:ext cx="5047842" cy="5867399"/>
+            <a:off x="2362200" y="533400"/>
+            <a:ext cx="4419600" cy="5791200"/>
           </a:xfrm>
           <a:prstGeom prst="rect">
             <a:avLst/>
@@ -10181,10 +10193,10 @@
       </p:sp>
       <p:pic>
         <p:nvPicPr>
-          <p:cNvPr id="5" name="Picture 4">
+          <p:cNvPr id="6" name="Picture 5">
             <a:extLst>
               <a:ext uri="{FF2B5EF4-FFF2-40B4-BE49-F238E27FC236}">
-                <a16:creationId xmlns:a16="http://schemas.microsoft.com/office/drawing/2014/main" id="{BD998ABA-8A88-0F68-F7E0-218DC6ACA943}"/>
+                <a16:creationId xmlns:a16="http://schemas.microsoft.com/office/drawing/2014/main" id="{ED8AB8C7-9D93-D8E0-D143-521D5BDBDCFB}"/>
               </a:ext>
             </a:extLst>
           </p:cNvPr>
@@ -10194,15 +10206,21 @@
           <p:nvPr/>
         </p:nvPicPr>
         <p:blipFill>
-          <a:blip r:embed="rId3"/>
+          <a:blip r:embed="rId3">
+            <a:extLst>
+              <a:ext uri="{28A0092B-C50C-407E-A947-70E740481C1C}">
+                <a14:useLocalDpi xmlns:a14="http://schemas.microsoft.com/office/drawing/2010/main" val="0"/>
+              </a:ext>
+            </a:extLst>
+          </a:blip>
           <a:stretch>
             <a:fillRect/>
           </a:stretch>
         </p:blipFill>
         <p:spPr>
           <a:xfrm>
-            <a:off x="0" y="533405"/>
-            <a:ext cx="9144000" cy="5257792"/>
+            <a:off x="152400" y="620445"/>
+            <a:ext cx="8686800" cy="5170756"/>
           </a:xfrm>
           <a:prstGeom prst="rect">
             <a:avLst/>
@@ -12709,14 +12727,14 @@
           <p:nvPr>
             <p:extLst>
               <p:ext uri="{D42A27DB-BD31-4B8C-83A1-F6EECF244321}">
-                <p14:modId xmlns:p14="http://schemas.microsoft.com/office/powerpoint/2010/main" val="4046075305"/>
+                <p14:modId xmlns:p14="http://schemas.microsoft.com/office/powerpoint/2010/main" val="1230149230"/>
               </p:ext>
             </p:extLst>
           </p:nvPr>
         </p:nvGraphicFramePr>
         <p:xfrm>
-          <a:off x="143962" y="679244"/>
-          <a:ext cx="8830354" cy="9510514"/>
+          <a:off x="160459" y="679243"/>
+          <a:ext cx="8822701" cy="5356184"/>
         </p:xfrm>
         <a:graphic>
           <a:graphicData uri="http://schemas.openxmlformats.org/drawingml/2006/table">
@@ -12725,35 +12743,35 @@
                 <a:tableStyleId>{5940675A-B579-460E-94D1-54222C63F5DA}</a:tableStyleId>
               </a:tblPr>
               <a:tblGrid>
-                <a:gridCol w="1598599">
+                <a:gridCol w="1597214">
                   <a:extLst>
                     <a:ext uri="{9D8B030D-6E8A-4147-A177-3AD203B41FA5}">
                       <a16:colId xmlns:a16="http://schemas.microsoft.com/office/drawing/2014/main" val="20000"/>
                     </a:ext>
                   </a:extLst>
                 </a:gridCol>
-                <a:gridCol w="1686439">
+                <a:gridCol w="1684977">
                   <a:extLst>
                     <a:ext uri="{9D8B030D-6E8A-4147-A177-3AD203B41FA5}">
                       <a16:colId xmlns:a16="http://schemas.microsoft.com/office/drawing/2014/main" val="20001"/>
                     </a:ext>
                   </a:extLst>
                 </a:gridCol>
-                <a:gridCol w="1905000">
+                <a:gridCol w="1903348">
                   <a:extLst>
                     <a:ext uri="{9D8B030D-6E8A-4147-A177-3AD203B41FA5}">
                       <a16:colId xmlns:a16="http://schemas.microsoft.com/office/drawing/2014/main" val="20002"/>
                     </a:ext>
                   </a:extLst>
                 </a:gridCol>
-                <a:gridCol w="2133600">
+                <a:gridCol w="2131751">
                   <a:extLst>
                     <a:ext uri="{9D8B030D-6E8A-4147-A177-3AD203B41FA5}">
                       <a16:colId xmlns:a16="http://schemas.microsoft.com/office/drawing/2014/main" val="20003"/>
                     </a:ext>
                   </a:extLst>
                 </a:gridCol>
-                <a:gridCol w="1506716">
+                <a:gridCol w="1505411">
                   <a:extLst>
                     <a:ext uri="{9D8B030D-6E8A-4147-A177-3AD203B41FA5}">
                       <a16:colId xmlns:a16="http://schemas.microsoft.com/office/drawing/2014/main" val="20004"/>
@@ -12761,7 +12779,7 @@
                   </a:extLst>
                 </a:gridCol>
               </a:tblGrid>
-              <a:tr h="1027034">
+              <a:tr h="1132102">
                 <a:tc>
                   <a:txBody>
                     <a:bodyPr/>
@@ -12888,7 +12906,7 @@
                   </a:ext>
                 </a:extLst>
               </a:tr>
-              <a:tr h="4241740">
+              <a:tr h="4224082">
                 <a:tc>
                   <a:txBody>
                     <a:bodyPr/>
@@ -13072,101 +13090,6 @@
                 <a:extLst>
                   <a:ext uri="{0D108BD9-81ED-4DB2-BD59-A6C34878D82A}">
                     <a16:rowId xmlns:a16="http://schemas.microsoft.com/office/drawing/2014/main" val="10001"/>
-                  </a:ext>
-                </a:extLst>
-              </a:tr>
-              <a:tr h="4241740">
-                <a:tc>
-                  <a:txBody>
-                    <a:bodyPr/>
-                    <a:lstStyle/>
-                    <a:p>
-                      <a:endParaRPr lang="en-US" dirty="0">
-                        <a:latin typeface="Cambria" panose="02040503050406030204" pitchFamily="18" charset="0"/>
-                        <a:ea typeface="Cambria" panose="02040503050406030204" pitchFamily="18" charset="0"/>
-                      </a:endParaRPr>
-                    </a:p>
-                  </a:txBody>
-                  <a:tcPr/>
-                </a:tc>
-                <a:tc>
-                  <a:txBody>
-                    <a:bodyPr/>
-                    <a:lstStyle/>
-                    <a:p>
-                      <a:pPr marL="342900" indent="-342900">
-                        <a:buFont typeface="+mj-lt"/>
-                        <a:buAutoNum type="arabicPeriod"/>
-                      </a:pPr>
-                      <a:endParaRPr lang="en-US" dirty="0">
-                        <a:latin typeface="Cambria" panose="02040503050406030204" pitchFamily="18" charset="0"/>
-                        <a:ea typeface="Cambria" panose="02040503050406030204" pitchFamily="18" charset="0"/>
-                      </a:endParaRPr>
-                    </a:p>
-                  </a:txBody>
-                  <a:tcPr/>
-                </a:tc>
-                <a:tc>
-                  <a:txBody>
-                    <a:bodyPr/>
-                    <a:lstStyle/>
-                    <a:p>
-                      <a:pPr marL="0" indent="0" algn="l" defTabSz="914400" rtl="0" eaLnBrk="1" latinLnBrk="0" hangingPunct="1">
-                        <a:buNone/>
-                      </a:pPr>
-                      <a:endParaRPr lang="en-US" sz="1800" kern="1200" dirty="0">
-                        <a:solidFill>
-                          <a:schemeClr val="dk1"/>
-                        </a:solidFill>
-                        <a:latin typeface="Cambria" panose="02040503050406030204" pitchFamily="18" charset="0"/>
-                        <a:ea typeface="Cambria" panose="02040503050406030204" pitchFamily="18" charset="0"/>
-                        <a:cs typeface="+mn-cs"/>
-                      </a:endParaRPr>
-                    </a:p>
-                  </a:txBody>
-                  <a:tcPr/>
-                </a:tc>
-                <a:tc>
-                  <a:txBody>
-                    <a:bodyPr/>
-                    <a:lstStyle/>
-                    <a:p>
-                      <a:pPr marL="342900" indent="-342900" algn="l" defTabSz="914400" rtl="0" eaLnBrk="1" latinLnBrk="0" hangingPunct="1">
-                        <a:buFont typeface="+mj-lt"/>
-                        <a:buAutoNum type="arabicPeriod"/>
-                      </a:pPr>
-                      <a:endParaRPr lang="en-US" sz="1800" kern="1200" dirty="0">
-                        <a:solidFill>
-                          <a:schemeClr val="dk1"/>
-                        </a:solidFill>
-                        <a:latin typeface="Cambria" panose="02040503050406030204" pitchFamily="18" charset="0"/>
-                        <a:ea typeface="Cambria" panose="02040503050406030204" pitchFamily="18" charset="0"/>
-                        <a:cs typeface="+mn-cs"/>
-                      </a:endParaRPr>
-                    </a:p>
-                  </a:txBody>
-                  <a:tcPr/>
-                </a:tc>
-                <a:tc>
-                  <a:txBody>
-                    <a:bodyPr/>
-                    <a:lstStyle/>
-                    <a:p>
-                      <a:pPr marL="342900" indent="-342900">
-                        <a:buFont typeface="+mj-lt"/>
-                        <a:buAutoNum type="arabicPeriod"/>
-                      </a:pPr>
-                      <a:endParaRPr lang="en-US" dirty="0">
-                        <a:latin typeface="Cambria" panose="02040503050406030204" pitchFamily="18" charset="0"/>
-                        <a:ea typeface="Cambria" panose="02040503050406030204" pitchFamily="18" charset="0"/>
-                      </a:endParaRPr>
-                    </a:p>
-                  </a:txBody>
-                  <a:tcPr/>
-                </a:tc>
-                <a:extLst>
-                  <a:ext uri="{0D108BD9-81ED-4DB2-BD59-A6C34878D82A}">
-                    <a16:rowId xmlns:a16="http://schemas.microsoft.com/office/drawing/2014/main" val="2951134014"/>
                   </a:ext>
                 </a:extLst>
               </a:tr>
